--- a/osbook/slides/1.intro.pptx
+++ b/osbook/slides/1.intro.pptx
@@ -20,10 +20,11 @@
     <p:sldId id="272" r:id="rId14"/>
     <p:sldId id="275" r:id="rId15"/>
     <p:sldId id="273" r:id="rId16"/>
-    <p:sldId id="276" r:id="rId17"/>
-    <p:sldId id="278" r:id="rId18"/>
-    <p:sldId id="279" r:id="rId19"/>
-    <p:sldId id="274" r:id="rId20"/>
+    <p:sldId id="280" r:id="rId17"/>
+    <p:sldId id="276" r:id="rId18"/>
+    <p:sldId id="278" r:id="rId19"/>
+    <p:sldId id="279" r:id="rId20"/>
+    <p:sldId id="274" r:id="rId21"/>
   </p:sldIdLst>
   <p:sldSz cx="12192000" cy="6858000"/>
   <p:notesSz cx="6858000" cy="9144000"/>
@@ -133,7 +134,7 @@
 <file path=ppt/revisionInfo.xml><?xml version="1.0" encoding="utf-8"?>
 <p1510:revInfo xmlns:a="http://schemas.openxmlformats.org/drawingml/2006/main" xmlns:r="http://schemas.openxmlformats.org/officeDocument/2006/relationships" xmlns:p1510="http://schemas.microsoft.com/office/powerpoint/2015/10/main">
   <p1510:revLst>
-    <p1510:client id="{F6A69B2F-2934-469B-82A9-0FDBB2A9C0CA}" v="325" dt="2025-01-04T12:15:18.705"/>
+    <p1510:client id="{20E92235-1FE0-4228-B356-42AEFC6F1D49}" v="1" dt="2025-01-20T13:36:53.290"/>
   </p1510:revLst>
 </p1510:revInfo>
 </file>
@@ -3993,8 +3994,12 @@
         <a:lstStyle/>
         <a:p>
           <a:r>
+            <a:rPr lang="en-IN"/>
+            <a:t>Fundamentals: cores</a:t>
+          </a:r>
+          <a:r>
             <a:rPr lang="en-IN" dirty="0"/>
-            <a:t>Fundamentals: cores, registers, interrupts, virtual memory, I/O</a:t>
+            <a:t>, registers, interrupts, virtual memory, I/O</a:t>
           </a:r>
         </a:p>
       </dgm:t>
@@ -5514,8 +5519,12 @@
             <a:buNone/>
           </a:pPr>
           <a:r>
+            <a:rPr lang="en-IN" sz="3900" kern="1200"/>
+            <a:t>Fundamentals: cores</a:t>
+          </a:r>
+          <a:r>
             <a:rPr lang="en-IN" sz="3900" kern="1200" dirty="0"/>
-            <a:t>Fundamentals: cores, registers, interrupts, virtual memory, I/O</a:t>
+            <a:t>, registers, interrupts, virtual memory, I/O</a:t>
           </a:r>
         </a:p>
       </dsp:txBody>
@@ -12121,7 +12130,7 @@
           <a:p>
             <a:fld id="{846CE7D5-CF57-46EF-B807-FDD0502418D4}" type="datetimeFigureOut">
               <a:rPr lang="en-US" smtClean="0"/>
-              <a:t>1/4/2025</a:t>
+              <a:t>1/23/2025</a:t>
             </a:fld>
             <a:endParaRPr lang="en-US"/>
           </a:p>
@@ -12293,7 +12302,7 @@
           <a:p>
             <a:fld id="{846CE7D5-CF57-46EF-B807-FDD0502418D4}" type="datetimeFigureOut">
               <a:rPr lang="en-US" smtClean="0"/>
-              <a:t>1/4/2025</a:t>
+              <a:t>1/23/2025</a:t>
             </a:fld>
             <a:endParaRPr lang="en-US"/>
           </a:p>
@@ -12475,7 +12484,7 @@
           <a:p>
             <a:fld id="{846CE7D5-CF57-46EF-B807-FDD0502418D4}" type="datetimeFigureOut">
               <a:rPr lang="en-US" smtClean="0"/>
-              <a:t>1/4/2025</a:t>
+              <a:t>1/23/2025</a:t>
             </a:fld>
             <a:endParaRPr lang="en-US"/>
           </a:p>
@@ -12647,7 +12656,7 @@
           <a:p>
             <a:fld id="{846CE7D5-CF57-46EF-B807-FDD0502418D4}" type="datetimeFigureOut">
               <a:rPr lang="en-US" smtClean="0"/>
-              <a:t>1/4/2025</a:t>
+              <a:t>1/23/2025</a:t>
             </a:fld>
             <a:endParaRPr lang="en-US"/>
           </a:p>
@@ -12896,7 +12905,7 @@
           <a:p>
             <a:fld id="{846CE7D5-CF57-46EF-B807-FDD0502418D4}" type="datetimeFigureOut">
               <a:rPr lang="en-US" smtClean="0"/>
-              <a:t>1/4/2025</a:t>
+              <a:t>1/23/2025</a:t>
             </a:fld>
             <a:endParaRPr lang="en-US"/>
           </a:p>
@@ -13129,7 +13138,7 @@
           <a:p>
             <a:fld id="{846CE7D5-CF57-46EF-B807-FDD0502418D4}" type="datetimeFigureOut">
               <a:rPr lang="en-US" smtClean="0"/>
-              <a:t>1/4/2025</a:t>
+              <a:t>1/23/2025</a:t>
             </a:fld>
             <a:endParaRPr lang="en-US"/>
           </a:p>
@@ -13497,7 +13506,7 @@
           <a:p>
             <a:fld id="{846CE7D5-CF57-46EF-B807-FDD0502418D4}" type="datetimeFigureOut">
               <a:rPr lang="en-US" smtClean="0"/>
-              <a:t>1/4/2025</a:t>
+              <a:t>1/23/2025</a:t>
             </a:fld>
             <a:endParaRPr lang="en-US"/>
           </a:p>
@@ -13618,7 +13627,7 @@
           <a:p>
             <a:fld id="{846CE7D5-CF57-46EF-B807-FDD0502418D4}" type="datetimeFigureOut">
               <a:rPr lang="en-US" smtClean="0"/>
-              <a:t>1/4/2025</a:t>
+              <a:t>1/23/2025</a:t>
             </a:fld>
             <a:endParaRPr lang="en-US"/>
           </a:p>
@@ -13717,7 +13726,7 @@
           <a:p>
             <a:fld id="{846CE7D5-CF57-46EF-B807-FDD0502418D4}" type="datetimeFigureOut">
               <a:rPr lang="en-US" smtClean="0"/>
-              <a:t>1/4/2025</a:t>
+              <a:t>1/23/2025</a:t>
             </a:fld>
             <a:endParaRPr lang="en-US"/>
           </a:p>
@@ -13996,7 +14005,7 @@
           <a:p>
             <a:fld id="{846CE7D5-CF57-46EF-B807-FDD0502418D4}" type="datetimeFigureOut">
               <a:rPr lang="en-US" smtClean="0"/>
-              <a:t>1/4/2025</a:t>
+              <a:t>1/23/2025</a:t>
             </a:fld>
             <a:endParaRPr lang="en-US"/>
           </a:p>
@@ -14255,7 +14264,7 @@
           <a:p>
             <a:fld id="{846CE7D5-CF57-46EF-B807-FDD0502418D4}" type="datetimeFigureOut">
               <a:rPr lang="en-US" smtClean="0"/>
-              <a:t>1/4/2025</a:t>
+              <a:t>1/23/2025</a:t>
             </a:fld>
             <a:endParaRPr lang="en-US"/>
           </a:p>
@@ -14470,7 +14479,7 @@
           <a:p>
             <a:fld id="{846CE7D5-CF57-46EF-B807-FDD0502418D4}" type="datetimeFigureOut">
               <a:rPr lang="en-US" smtClean="0"/>
-              <a:t>1/4/2025</a:t>
+              <a:t>1/23/2025</a:t>
             </a:fld>
             <a:endParaRPr lang="en-US"/>
           </a:p>
@@ -15269,19 +15278,15 @@
           <a:p>
             <a:r>
               <a:rPr lang="en-IN" sz="3200"/>
-              <a:t>Smruti R. </a:t>
-            </a:r>
-            <a:r>
-              <a:rPr lang="en-IN" sz="3200" dirty="0"/>
-              <a:t>Sarangi </a:t>
-            </a:r>
-          </a:p>
-          <a:p>
-            <a:r>
-              <a:rPr lang="en-IN" sz="3200" dirty="0"/>
+              <a:t>Smruti R Sarangi </a:t>
+            </a:r>
+          </a:p>
+          <a:p>
+            <a:r>
+              <a:rPr lang="en-IN" sz="3200"/>
               <a:t>IIT Delhi</a:t>
             </a:r>
-            <a:endParaRPr lang="en-US" sz="3200" dirty="0"/>
+            <a:endParaRPr lang="en-US" sz="3200"/>
           </a:p>
         </p:txBody>
       </p:sp>
@@ -18330,6 +18335,307 @@
           <p:cNvPr id="2" name="Title 1">
             <a:extLst>
               <a:ext uri="{FF2B5EF4-FFF2-40B4-BE49-F238E27FC236}">
+                <a16:creationId xmlns:a16="http://schemas.microsoft.com/office/drawing/2014/main" id="{94C75DD1-3BAF-91DB-4593-18875AAF2245}"/>
+              </a:ext>
+            </a:extLst>
+          </p:cNvPr>
+          <p:cNvSpPr>
+            <a:spLocks noGrp="1"/>
+          </p:cNvSpPr>
+          <p:nvPr>
+            <p:ph type="title"/>
+          </p:nvPr>
+        </p:nvSpPr>
+        <p:spPr/>
+        <p:txBody>
+          <a:bodyPr/>
+          <a:lstStyle/>
+          <a:p>
+            <a:r>
+              <a:rPr lang="en-US"/>
+              <a:t>The </a:t>
+            </a:r>
+            <a:r>
+              <a:rPr lang="en-US" i="1"/>
+              <a:t>arch </a:t>
+            </a:r>
+            <a:r>
+              <a:rPr lang="en-US"/>
+              <a:t>Folder</a:t>
+            </a:r>
+          </a:p>
+        </p:txBody>
+      </p:sp>
+      <p:sp>
+        <p:nvSpPr>
+          <p:cNvPr id="3" name="Content Placeholder 2">
+            <a:extLst>
+              <a:ext uri="{FF2B5EF4-FFF2-40B4-BE49-F238E27FC236}">
+                <a16:creationId xmlns:a16="http://schemas.microsoft.com/office/drawing/2014/main" id="{CC90123D-A30B-6890-5B51-D9E1EB170914}"/>
+              </a:ext>
+            </a:extLst>
+          </p:cNvPr>
+          <p:cNvSpPr>
+            <a:spLocks noGrp="1"/>
+          </p:cNvSpPr>
+          <p:nvPr>
+            <p:ph idx="1"/>
+          </p:nvPr>
+        </p:nvSpPr>
+        <p:spPr>
+          <a:xfrm>
+            <a:off x="838200" y="1551305"/>
+            <a:ext cx="10515600" cy="4667250"/>
+          </a:xfrm>
+        </p:spPr>
+        <p:txBody>
+          <a:bodyPr/>
+          <a:lstStyle/>
+          <a:p>
+            <a:r>
+              <a:rPr lang="en-US" dirty="0"/>
+              <a:t>The Linux codebase has </a:t>
+            </a:r>
+            <a:r>
+              <a:rPr lang="en-US" dirty="0">
+                <a:solidFill>
+                  <a:srgbClr val="FF0000"/>
+                </a:solidFill>
+              </a:rPr>
+              <a:t>two</a:t>
+            </a:r>
+            <a:r>
+              <a:rPr lang="en-US" dirty="0"/>
+              <a:t> </a:t>
+            </a:r>
+            <a:r>
+              <a:rPr lang="en-US" dirty="0">
+                <a:solidFill>
+                  <a:srgbClr val="00B050"/>
+                </a:solidFill>
+              </a:rPr>
+              <a:t>parts</a:t>
+            </a:r>
+            <a:r>
+              <a:rPr lang="en-US" dirty="0"/>
+              <a:t>: machine dependent and machine independent</a:t>
+            </a:r>
+          </a:p>
+          <a:p>
+            <a:r>
+              <a:rPr lang="en-US" dirty="0"/>
+              <a:t>Most of the code is </a:t>
+            </a:r>
+            <a:r>
+              <a:rPr lang="en-US" dirty="0">
+                <a:solidFill>
+                  <a:srgbClr val="0070C0"/>
+                </a:solidFill>
+              </a:rPr>
+              <a:t>machine independent</a:t>
+            </a:r>
+            <a:r>
+              <a:rPr lang="en-US" dirty="0"/>
+              <a:t>. Otherwise, it will become impossible to </a:t>
+            </a:r>
+            <a:r>
+              <a:rPr lang="en-US" dirty="0">
+                <a:solidFill>
+                  <a:srgbClr val="FF0000"/>
+                </a:solidFill>
+              </a:rPr>
+              <a:t>manage</a:t>
+            </a:r>
+            <a:r>
+              <a:rPr lang="en-US" dirty="0"/>
+              <a:t> such a large codebase.</a:t>
+            </a:r>
+          </a:p>
+          <a:p>
+            <a:r>
+              <a:rPr lang="en-US" dirty="0"/>
+              <a:t>We need a layer to abstract out details of the underlying machine.</a:t>
+            </a:r>
+          </a:p>
+          <a:p>
+            <a:r>
+              <a:rPr lang="en-US" dirty="0"/>
+              <a:t>This is the job of the </a:t>
+            </a:r>
+            <a:r>
+              <a:rPr lang="en-US" i="1" dirty="0"/>
+              <a:t>arch</a:t>
+            </a:r>
+            <a:r>
+              <a:rPr lang="en-US" dirty="0"/>
+              <a:t> folder (machine dependent part) that:</a:t>
+            </a:r>
+          </a:p>
+          <a:p>
+            <a:pPr lvl="1"/>
+            <a:r>
+              <a:rPr lang="en-US" dirty="0"/>
+              <a:t>The kernel uses </a:t>
+            </a:r>
+            <a:r>
+              <a:rPr lang="en-US" dirty="0">
+                <a:solidFill>
+                  <a:srgbClr val="00B050"/>
+                </a:solidFill>
+              </a:rPr>
+              <a:t>generic data types </a:t>
+            </a:r>
+            <a:r>
+              <a:rPr lang="en-US" dirty="0"/>
+              <a:t>such as u32 or u64. They are defined within files of the arch folder (for each architecture)</a:t>
+            </a:r>
+          </a:p>
+          <a:p>
+            <a:pPr lvl="1"/>
+            <a:r>
+              <a:rPr lang="en-US" dirty="0">
+                <a:solidFill>
+                  <a:srgbClr val="7030A0"/>
+                </a:solidFill>
+              </a:rPr>
+              <a:t>Map</a:t>
+            </a:r>
+            <a:r>
+              <a:rPr lang="en-US" dirty="0"/>
+              <a:t> high-level primitives to assembly-level </a:t>
+            </a:r>
+            <a:r>
+              <a:rPr lang="en-US" dirty="0">
+                <a:solidFill>
+                  <a:schemeClr val="accent2">
+                    <a:lumMod val="75000"/>
+                  </a:schemeClr>
+                </a:solidFill>
+              </a:rPr>
+              <a:t>code snippets </a:t>
+            </a:r>
+            <a:r>
+              <a:rPr lang="en-US" dirty="0"/>
+              <a:t>(arch. specific)</a:t>
+            </a:r>
+          </a:p>
+          <a:p>
+            <a:pPr lvl="1"/>
+            <a:r>
+              <a:rPr lang="en-US" dirty="0"/>
+              <a:t>Provide other </a:t>
+            </a:r>
+            <a:r>
+              <a:rPr lang="en-US" dirty="0">
+                <a:solidFill>
+                  <a:srgbClr val="FF0000"/>
+                </a:solidFill>
+              </a:rPr>
+              <a:t>low-level services</a:t>
+            </a:r>
+            <a:r>
+              <a:rPr lang="en-US" dirty="0"/>
+              <a:t>: booting the system, managing the memory system, power management, etc.</a:t>
+            </a:r>
+          </a:p>
+          <a:p>
+            <a:pPr lvl="1"/>
+            <a:endParaRPr lang="en-US" sz="2800" dirty="0"/>
+          </a:p>
+        </p:txBody>
+      </p:sp>
+      <p:sp>
+        <p:nvSpPr>
+          <p:cNvPr id="4" name="Slide Number Placeholder 3">
+            <a:extLst>
+              <a:ext uri="{FF2B5EF4-FFF2-40B4-BE49-F238E27FC236}">
+                <a16:creationId xmlns:a16="http://schemas.microsoft.com/office/drawing/2014/main" id="{795E1D48-4BDF-A1C9-0DAC-8EE6C5BC94FF}"/>
+              </a:ext>
+            </a:extLst>
+          </p:cNvPr>
+          <p:cNvSpPr>
+            <a:spLocks noGrp="1"/>
+          </p:cNvSpPr>
+          <p:nvPr>
+            <p:ph type="sldNum" sz="quarter" idx="12"/>
+          </p:nvPr>
+        </p:nvSpPr>
+        <p:spPr/>
+        <p:txBody>
+          <a:bodyPr/>
+          <a:lstStyle/>
+          <a:p>
+            <a:fld id="{330EA680-D336-4FF7-8B7A-9848BB0A1C32}" type="slidenum">
+              <a:rPr lang="en-US" smtClean="0"/>
+              <a:t>16</a:t>
+            </a:fld>
+            <a:endParaRPr lang="en-US"/>
+          </a:p>
+        </p:txBody>
+      </p:sp>
+      <p:sp>
+        <p:nvSpPr>
+          <p:cNvPr id="5" name="Footer Placeholder 4">
+            <a:extLst>
+              <a:ext uri="{FF2B5EF4-FFF2-40B4-BE49-F238E27FC236}">
+                <a16:creationId xmlns:a16="http://schemas.microsoft.com/office/drawing/2014/main" id="{5B927867-EE86-80F7-9609-CDAC9EF31B49}"/>
+              </a:ext>
+            </a:extLst>
+          </p:cNvPr>
+          <p:cNvSpPr>
+            <a:spLocks noGrp="1"/>
+          </p:cNvSpPr>
+          <p:nvPr>
+            <p:ph type="ftr" sz="quarter" idx="11"/>
+          </p:nvPr>
+        </p:nvSpPr>
+        <p:spPr/>
+        <p:txBody>
+          <a:bodyPr/>
+          <a:lstStyle/>
+          <a:p>
+            <a:r>
+              <a:rPr lang="en-US"/>
+              <a:t>(c) Smruti R. Sarangi, 2023</a:t>
+            </a:r>
+          </a:p>
+        </p:txBody>
+      </p:sp>
+    </p:spTree>
+    <p:extLst>
+      <p:ext uri="{BB962C8B-B14F-4D97-AF65-F5344CB8AC3E}">
+        <p14:creationId xmlns:p14="http://schemas.microsoft.com/office/powerpoint/2010/main" val="3715640119"/>
+      </p:ext>
+    </p:extLst>
+  </p:cSld>
+  <p:clrMapOvr>
+    <a:masterClrMapping/>
+  </p:clrMapOvr>
+</p:sld>
+</file>
+
+<file path=ppt/slides/slide17.xml><?xml version="1.0" encoding="utf-8"?>
+<p:sld xmlns:a="http://schemas.openxmlformats.org/drawingml/2006/main" xmlns:r="http://schemas.openxmlformats.org/officeDocument/2006/relationships" xmlns:p="http://schemas.openxmlformats.org/presentationml/2006/main">
+  <p:cSld>
+    <p:spTree>
+      <p:nvGrpSpPr>
+        <p:cNvPr id="1" name=""/>
+        <p:cNvGrpSpPr/>
+        <p:nvPr/>
+      </p:nvGrpSpPr>
+      <p:grpSpPr>
+        <a:xfrm>
+          <a:off x="0" y="0"/>
+          <a:ext cx="0" cy="0"/>
+          <a:chOff x="0" y="0"/>
+          <a:chExt cx="0" cy="0"/>
+        </a:xfrm>
+      </p:grpSpPr>
+      <p:sp>
+        <p:nvSpPr>
+          <p:cNvPr id="2" name="Title 1">
+            <a:extLst>
+              <a:ext uri="{FF2B5EF4-FFF2-40B4-BE49-F238E27FC236}">
                 <a16:creationId xmlns:a16="http://schemas.microsoft.com/office/drawing/2014/main" id="{117E1579-46B4-D3B8-284A-85D9CE1A8AE9}"/>
               </a:ext>
             </a:extLst>
@@ -18452,7 +18758,7 @@
           <a:p>
             <a:fld id="{330EA680-D336-4FF7-8B7A-9848BB0A1C32}" type="slidenum">
               <a:rPr lang="en-US" smtClean="0"/>
-              <a:t>16</a:t>
+              <a:t>17</a:t>
             </a:fld>
             <a:endParaRPr lang="en-US"/>
           </a:p>
@@ -18499,7 +18805,7 @@
 </p:sld>
 </file>
 
-<file path=ppt/slides/slide17.xml><?xml version="1.0" encoding="utf-8"?>
+<file path=ppt/slides/slide18.xml><?xml version="1.0" encoding="utf-8"?>
 <p:sld xmlns:a="http://schemas.openxmlformats.org/drawingml/2006/main" xmlns:r="http://schemas.openxmlformats.org/officeDocument/2006/relationships" xmlns:p="http://schemas.openxmlformats.org/presentationml/2006/main">
   <p:cSld>
     <p:spTree>
@@ -18597,7 +18903,7 @@
           <a:p>
             <a:fld id="{330EA680-D336-4FF7-8B7A-9848BB0A1C32}" type="slidenum">
               <a:rPr lang="en-US" smtClean="0"/>
-              <a:t>17</a:t>
+              <a:t>18</a:t>
             </a:fld>
             <a:endParaRPr lang="en-US"/>
           </a:p>
@@ -18616,7 +18922,7 @@
 </p:sld>
 </file>
 
-<file path=ppt/slides/slide18.xml><?xml version="1.0" encoding="utf-8"?>
+<file path=ppt/slides/slide19.xml><?xml version="1.0" encoding="utf-8"?>
 <p:sld xmlns:a="http://schemas.openxmlformats.org/drawingml/2006/main" xmlns:r="http://schemas.openxmlformats.org/officeDocument/2006/relationships" xmlns:p="http://schemas.openxmlformats.org/presentationml/2006/main">
   <p:cSld>
     <p:spTree>
@@ -18684,7 +18990,7 @@
           <a:p>
             <a:fld id="{330EA680-D336-4FF7-8B7A-9848BB0A1C32}" type="slidenum">
               <a:rPr lang="en-US" smtClean="0"/>
-              <a:t>18</a:t>
+              <a:t>19</a:t>
             </a:fld>
             <a:endParaRPr lang="en-US"/>
           </a:p>
@@ -18731,7 +19037,189 @@
 </p:sld>
 </file>
 
-<file path=ppt/slides/slide19.xml><?xml version="1.0" encoding="utf-8"?>
+<file path=ppt/slides/slide2.xml><?xml version="1.0" encoding="utf-8"?>
+<p:sld xmlns:a="http://schemas.openxmlformats.org/drawingml/2006/main" xmlns:r="http://schemas.openxmlformats.org/officeDocument/2006/relationships" xmlns:p="http://schemas.openxmlformats.org/presentationml/2006/main">
+  <p:cSld>
+    <p:spTree>
+      <p:nvGrpSpPr>
+        <p:cNvPr id="1" name=""/>
+        <p:cNvGrpSpPr/>
+        <p:nvPr/>
+      </p:nvGrpSpPr>
+      <p:grpSpPr>
+        <a:xfrm>
+          <a:off x="0" y="0"/>
+          <a:ext cx="0" cy="0"/>
+          <a:chOff x="0" y="0"/>
+          <a:chExt cx="0" cy="0"/>
+        </a:xfrm>
+      </p:grpSpPr>
+      <p:sp>
+        <p:nvSpPr>
+          <p:cNvPr id="2" name="Title 1">
+            <a:extLst>
+              <a:ext uri="{FF2B5EF4-FFF2-40B4-BE49-F238E27FC236}">
+                <a16:creationId xmlns:a16="http://schemas.microsoft.com/office/drawing/2014/main" id="{42210155-632E-FECE-A489-87DEF87E80E2}"/>
+              </a:ext>
+            </a:extLst>
+          </p:cNvPr>
+          <p:cNvSpPr>
+            <a:spLocks noGrp="1"/>
+          </p:cNvSpPr>
+          <p:nvPr>
+            <p:ph type="title"/>
+          </p:nvPr>
+        </p:nvSpPr>
+        <p:spPr/>
+        <p:txBody>
+          <a:bodyPr/>
+          <a:lstStyle/>
+          <a:p>
+            <a:r>
+              <a:rPr lang="en-IN"/>
+              <a:t>What is an Operating Systems (OS)?</a:t>
+            </a:r>
+          </a:p>
+        </p:txBody>
+      </p:sp>
+      <p:graphicFrame>
+        <p:nvGraphicFramePr>
+          <p:cNvPr id="4" name="Diagram 3">
+            <a:extLst>
+              <a:ext uri="{FF2B5EF4-FFF2-40B4-BE49-F238E27FC236}">
+                <a16:creationId xmlns:a16="http://schemas.microsoft.com/office/drawing/2014/main" id="{C8B27698-5509-BD5C-4068-B3FE576E4DC4}"/>
+              </a:ext>
+            </a:extLst>
+          </p:cNvPr>
+          <p:cNvGraphicFramePr/>
+          <p:nvPr>
+            <p:extLst>
+              <p:ext uri="{D42A27DB-BD31-4B8C-83A1-F6EECF244321}">
+                <p14:modId xmlns:p14="http://schemas.microsoft.com/office/powerpoint/2010/main" val="3724209601"/>
+              </p:ext>
+            </p:extLst>
+          </p:nvPr>
+        </p:nvGraphicFramePr>
+        <p:xfrm>
+          <a:off x="2032000" y="1861457"/>
+          <a:ext cx="7612743" cy="4276876"/>
+        </p:xfrm>
+        <a:graphic>
+          <a:graphicData uri="http://schemas.openxmlformats.org/drawingml/2006/diagram">
+            <dgm:relIds xmlns:dgm="http://schemas.openxmlformats.org/drawingml/2006/diagram" xmlns:r="http://schemas.openxmlformats.org/officeDocument/2006/relationships" r:dm="rId2" r:lo="rId3" r:qs="rId4" r:cs="rId5"/>
+          </a:graphicData>
+        </a:graphic>
+      </p:graphicFrame>
+      <p:pic>
+        <p:nvPicPr>
+          <p:cNvPr id="5" name="Picture 4" descr="Icon&#10;&#10;Description automatically generated">
+            <a:extLst>
+              <a:ext uri="{FF2B5EF4-FFF2-40B4-BE49-F238E27FC236}">
+                <a16:creationId xmlns:a16="http://schemas.microsoft.com/office/drawing/2014/main" id="{8721CAB8-D4E3-A175-5DE8-4AC4E866D1A7}"/>
+              </a:ext>
+            </a:extLst>
+          </p:cNvPr>
+          <p:cNvPicPr>
+            <a:picLocks noChangeAspect="1"/>
+          </p:cNvPicPr>
+          <p:nvPr/>
+        </p:nvPicPr>
+        <p:blipFill>
+          <a:blip r:embed="rId7" cstate="print">
+            <a:extLst>
+              <a:ext uri="{28A0092B-C50C-407E-A947-70E740481C1C}">
+                <a14:useLocalDpi xmlns:a14="http://schemas.microsoft.com/office/drawing/2010/main" val="0"/>
+              </a:ext>
+              <a:ext uri="{837473B0-CC2E-450A-ABE3-18F120FF3D39}">
+                <a1611:picAttrSrcUrl xmlns:a1611="http://schemas.microsoft.com/office/drawing/2016/11/main" r:id="rId8"/>
+              </a:ext>
+            </a:extLst>
+          </a:blip>
+          <a:stretch>
+            <a:fillRect/>
+          </a:stretch>
+        </p:blipFill>
+        <p:spPr>
+          <a:xfrm>
+            <a:off x="10160000" y="1414851"/>
+            <a:ext cx="1452157" cy="2348780"/>
+          </a:xfrm>
+          <a:prstGeom prst="rect">
+            <a:avLst/>
+          </a:prstGeom>
+        </p:spPr>
+      </p:pic>
+      <p:sp>
+        <p:nvSpPr>
+          <p:cNvPr id="26" name="Footer Placeholder 25">
+            <a:extLst>
+              <a:ext uri="{FF2B5EF4-FFF2-40B4-BE49-F238E27FC236}">
+                <a16:creationId xmlns:a16="http://schemas.microsoft.com/office/drawing/2014/main" id="{49C02DDA-1DFC-1F70-0BC0-78E1CB7B41E4}"/>
+              </a:ext>
+            </a:extLst>
+          </p:cNvPr>
+          <p:cNvSpPr>
+            <a:spLocks noGrp="1"/>
+          </p:cNvSpPr>
+          <p:nvPr>
+            <p:ph type="ftr" sz="quarter" idx="11"/>
+          </p:nvPr>
+        </p:nvSpPr>
+        <p:spPr/>
+        <p:txBody>
+          <a:bodyPr/>
+          <a:lstStyle/>
+          <a:p>
+            <a:r>
+              <a:rPr lang="en-US"/>
+              <a:t>(c) Smruti R. Sarangi, 2023</a:t>
+            </a:r>
+          </a:p>
+        </p:txBody>
+      </p:sp>
+      <p:sp>
+        <p:nvSpPr>
+          <p:cNvPr id="27" name="Slide Number Placeholder 26">
+            <a:extLst>
+              <a:ext uri="{FF2B5EF4-FFF2-40B4-BE49-F238E27FC236}">
+                <a16:creationId xmlns:a16="http://schemas.microsoft.com/office/drawing/2014/main" id="{C4B103C8-E28F-FCFC-607A-06D4639BF995}"/>
+              </a:ext>
+            </a:extLst>
+          </p:cNvPr>
+          <p:cNvSpPr>
+            <a:spLocks noGrp="1"/>
+          </p:cNvSpPr>
+          <p:nvPr>
+            <p:ph type="sldNum" sz="quarter" idx="12"/>
+          </p:nvPr>
+        </p:nvSpPr>
+        <p:spPr/>
+        <p:txBody>
+          <a:bodyPr/>
+          <a:lstStyle/>
+          <a:p>
+            <a:fld id="{330EA680-D336-4FF7-8B7A-9848BB0A1C32}" type="slidenum">
+              <a:rPr lang="en-US" smtClean="0"/>
+              <a:t>2</a:t>
+            </a:fld>
+            <a:endParaRPr lang="en-US"/>
+          </a:p>
+        </p:txBody>
+      </p:sp>
+    </p:spTree>
+    <p:extLst>
+      <p:ext uri="{BB962C8B-B14F-4D97-AF65-F5344CB8AC3E}">
+        <p14:creationId xmlns:p14="http://schemas.microsoft.com/office/powerpoint/2010/main" val="428463759"/>
+      </p:ext>
+    </p:extLst>
+  </p:cSld>
+  <p:clrMapOvr>
+    <a:masterClrMapping/>
+  </p:clrMapOvr>
+</p:sld>
+</file>
+
+<file path=ppt/slides/slide20.xml><?xml version="1.0" encoding="utf-8"?>
 <p:sld xmlns:a="http://schemas.openxmlformats.org/drawingml/2006/main" xmlns:r="http://schemas.openxmlformats.org/officeDocument/2006/relationships" xmlns:p="http://schemas.openxmlformats.org/presentationml/2006/main">
   <p:cSld>
     <p:spTree>
@@ -18917,7 +19405,7 @@
           <a:p>
             <a:fld id="{330EA680-D336-4FF7-8B7A-9848BB0A1C32}" type="slidenum">
               <a:rPr lang="en-US" smtClean="0"/>
-              <a:t>19</a:t>
+              <a:t>20</a:t>
             </a:fld>
             <a:endParaRPr lang="en-US"/>
           </a:p>
@@ -18955,188 +19443,6 @@
     <p:extLst>
       <p:ext uri="{BB962C8B-B14F-4D97-AF65-F5344CB8AC3E}">
         <p14:creationId xmlns:p14="http://schemas.microsoft.com/office/powerpoint/2010/main" val="2705483581"/>
-      </p:ext>
-    </p:extLst>
-  </p:cSld>
-  <p:clrMapOvr>
-    <a:masterClrMapping/>
-  </p:clrMapOvr>
-</p:sld>
-</file>
-
-<file path=ppt/slides/slide2.xml><?xml version="1.0" encoding="utf-8"?>
-<p:sld xmlns:a="http://schemas.openxmlformats.org/drawingml/2006/main" xmlns:r="http://schemas.openxmlformats.org/officeDocument/2006/relationships" xmlns:p="http://schemas.openxmlformats.org/presentationml/2006/main">
-  <p:cSld>
-    <p:spTree>
-      <p:nvGrpSpPr>
-        <p:cNvPr id="1" name=""/>
-        <p:cNvGrpSpPr/>
-        <p:nvPr/>
-      </p:nvGrpSpPr>
-      <p:grpSpPr>
-        <a:xfrm>
-          <a:off x="0" y="0"/>
-          <a:ext cx="0" cy="0"/>
-          <a:chOff x="0" y="0"/>
-          <a:chExt cx="0" cy="0"/>
-        </a:xfrm>
-      </p:grpSpPr>
-      <p:sp>
-        <p:nvSpPr>
-          <p:cNvPr id="2" name="Title 1">
-            <a:extLst>
-              <a:ext uri="{FF2B5EF4-FFF2-40B4-BE49-F238E27FC236}">
-                <a16:creationId xmlns:a16="http://schemas.microsoft.com/office/drawing/2014/main" id="{42210155-632E-FECE-A489-87DEF87E80E2}"/>
-              </a:ext>
-            </a:extLst>
-          </p:cNvPr>
-          <p:cNvSpPr>
-            <a:spLocks noGrp="1"/>
-          </p:cNvSpPr>
-          <p:nvPr>
-            <p:ph type="title"/>
-          </p:nvPr>
-        </p:nvSpPr>
-        <p:spPr/>
-        <p:txBody>
-          <a:bodyPr/>
-          <a:lstStyle/>
-          <a:p>
-            <a:r>
-              <a:rPr lang="en-IN"/>
-              <a:t>What is an Operating Systems (OS)?</a:t>
-            </a:r>
-          </a:p>
-        </p:txBody>
-      </p:sp>
-      <p:graphicFrame>
-        <p:nvGraphicFramePr>
-          <p:cNvPr id="4" name="Diagram 3">
-            <a:extLst>
-              <a:ext uri="{FF2B5EF4-FFF2-40B4-BE49-F238E27FC236}">
-                <a16:creationId xmlns:a16="http://schemas.microsoft.com/office/drawing/2014/main" id="{C8B27698-5509-BD5C-4068-B3FE576E4DC4}"/>
-              </a:ext>
-            </a:extLst>
-          </p:cNvPr>
-          <p:cNvGraphicFramePr/>
-          <p:nvPr>
-            <p:extLst>
-              <p:ext uri="{D42A27DB-BD31-4B8C-83A1-F6EECF244321}">
-                <p14:modId xmlns:p14="http://schemas.microsoft.com/office/powerpoint/2010/main" val="3724209601"/>
-              </p:ext>
-            </p:extLst>
-          </p:nvPr>
-        </p:nvGraphicFramePr>
-        <p:xfrm>
-          <a:off x="2032000" y="1861457"/>
-          <a:ext cx="7612743" cy="4276876"/>
-        </p:xfrm>
-        <a:graphic>
-          <a:graphicData uri="http://schemas.openxmlformats.org/drawingml/2006/diagram">
-            <dgm:relIds xmlns:dgm="http://schemas.openxmlformats.org/drawingml/2006/diagram" xmlns:r="http://schemas.openxmlformats.org/officeDocument/2006/relationships" r:dm="rId2" r:lo="rId3" r:qs="rId4" r:cs="rId5"/>
-          </a:graphicData>
-        </a:graphic>
-      </p:graphicFrame>
-      <p:pic>
-        <p:nvPicPr>
-          <p:cNvPr id="5" name="Picture 4" descr="Icon&#10;&#10;Description automatically generated">
-            <a:extLst>
-              <a:ext uri="{FF2B5EF4-FFF2-40B4-BE49-F238E27FC236}">
-                <a16:creationId xmlns:a16="http://schemas.microsoft.com/office/drawing/2014/main" id="{8721CAB8-D4E3-A175-5DE8-4AC4E866D1A7}"/>
-              </a:ext>
-            </a:extLst>
-          </p:cNvPr>
-          <p:cNvPicPr>
-            <a:picLocks noChangeAspect="1"/>
-          </p:cNvPicPr>
-          <p:nvPr/>
-        </p:nvPicPr>
-        <p:blipFill>
-          <a:blip r:embed="rId7" cstate="print">
-            <a:extLst>
-              <a:ext uri="{28A0092B-C50C-407E-A947-70E740481C1C}">
-                <a14:useLocalDpi xmlns:a14="http://schemas.microsoft.com/office/drawing/2010/main" val="0"/>
-              </a:ext>
-              <a:ext uri="{837473B0-CC2E-450A-ABE3-18F120FF3D39}">
-                <a1611:picAttrSrcUrl xmlns:a1611="http://schemas.microsoft.com/office/drawing/2016/11/main" r:id="rId8"/>
-              </a:ext>
-            </a:extLst>
-          </a:blip>
-          <a:stretch>
-            <a:fillRect/>
-          </a:stretch>
-        </p:blipFill>
-        <p:spPr>
-          <a:xfrm>
-            <a:off x="10160000" y="1414851"/>
-            <a:ext cx="1452157" cy="2348780"/>
-          </a:xfrm>
-          <a:prstGeom prst="rect">
-            <a:avLst/>
-          </a:prstGeom>
-        </p:spPr>
-      </p:pic>
-      <p:sp>
-        <p:nvSpPr>
-          <p:cNvPr id="26" name="Footer Placeholder 25">
-            <a:extLst>
-              <a:ext uri="{FF2B5EF4-FFF2-40B4-BE49-F238E27FC236}">
-                <a16:creationId xmlns:a16="http://schemas.microsoft.com/office/drawing/2014/main" id="{49C02DDA-1DFC-1F70-0BC0-78E1CB7B41E4}"/>
-              </a:ext>
-            </a:extLst>
-          </p:cNvPr>
-          <p:cNvSpPr>
-            <a:spLocks noGrp="1"/>
-          </p:cNvSpPr>
-          <p:nvPr>
-            <p:ph type="ftr" sz="quarter" idx="11"/>
-          </p:nvPr>
-        </p:nvSpPr>
-        <p:spPr/>
-        <p:txBody>
-          <a:bodyPr/>
-          <a:lstStyle/>
-          <a:p>
-            <a:r>
-              <a:rPr lang="en-US"/>
-              <a:t>(c) Smruti R. Sarangi, 2023</a:t>
-            </a:r>
-          </a:p>
-        </p:txBody>
-      </p:sp>
-      <p:sp>
-        <p:nvSpPr>
-          <p:cNvPr id="27" name="Slide Number Placeholder 26">
-            <a:extLst>
-              <a:ext uri="{FF2B5EF4-FFF2-40B4-BE49-F238E27FC236}">
-                <a16:creationId xmlns:a16="http://schemas.microsoft.com/office/drawing/2014/main" id="{C4B103C8-E28F-FCFC-607A-06D4639BF995}"/>
-              </a:ext>
-            </a:extLst>
-          </p:cNvPr>
-          <p:cNvSpPr>
-            <a:spLocks noGrp="1"/>
-          </p:cNvSpPr>
-          <p:nvPr>
-            <p:ph type="sldNum" sz="quarter" idx="12"/>
-          </p:nvPr>
-        </p:nvSpPr>
-        <p:spPr/>
-        <p:txBody>
-          <a:bodyPr/>
-          <a:lstStyle/>
-          <a:p>
-            <a:fld id="{330EA680-D336-4FF7-8B7A-9848BB0A1C32}" type="slidenum">
-              <a:rPr lang="en-US" smtClean="0"/>
-              <a:t>2</a:t>
-            </a:fld>
-            <a:endParaRPr lang="en-US"/>
-          </a:p>
-        </p:txBody>
-      </p:sp>
-    </p:spTree>
-    <p:extLst>
-      <p:ext uri="{BB962C8B-B14F-4D97-AF65-F5344CB8AC3E}">
-        <p14:creationId xmlns:p14="http://schemas.microsoft.com/office/powerpoint/2010/main" val="428463759"/>
       </p:ext>
     </p:extLst>
   </p:cSld>
